--- a/开发手册/导入组件/导入组件.pptx
+++ b/开发手册/导入组件/导入组件.pptx
@@ -4923,7 +4923,7 @@
           <a:p>
             <a:r>
               <a:rPr lang="zh-CN" altLang="en-US"/>
-              <a:t>this.impProductObj.setSuccess((data)=&gt;{</a:t>
+              <a:t>impProductObj.setSuccess((data)=&gt;{</a:t>
             </a:r>
             <a:endParaRPr lang="zh-CN" altLang="en-US"/>
           </a:p>
@@ -5015,7 +5015,7 @@
           <a:p>
             <a:r>
               <a:rPr lang="zh-CN" altLang="en-US"/>
-              <a:t>this.impProductObj.setError((data)=&gt;{</a:t>
+              <a:t>impProductObj.setError((data)=&gt;{</a:t>
             </a:r>
             <a:endParaRPr lang="zh-CN" altLang="en-US"/>
           </a:p>
